--- a/ETL_Project_Presentation-Group_3.pptx
+++ b/ETL_Project_Presentation-Group_3.pptx
@@ -5,10 +5,10 @@
     <p:sldMasterId id="2147483696" r:id="rId1"/>
   </p:sldMasterIdLst>
   <p:notesMasterIdLst>
-    <p:notesMasterId r:id="rId17"/>
+    <p:notesMasterId r:id="rId19"/>
   </p:notesMasterIdLst>
   <p:handoutMasterIdLst>
-    <p:handoutMasterId r:id="rId18"/>
+    <p:handoutMasterId r:id="rId20"/>
   </p:handoutMasterIdLst>
   <p:sldIdLst>
     <p:sldId id="259" r:id="rId2"/>
@@ -23,9 +23,11 @@
     <p:sldId id="269" r:id="rId11"/>
     <p:sldId id="271" r:id="rId12"/>
     <p:sldId id="273" r:id="rId13"/>
-    <p:sldId id="272" r:id="rId14"/>
-    <p:sldId id="274" r:id="rId15"/>
-    <p:sldId id="275" r:id="rId16"/>
+    <p:sldId id="277" r:id="rId14"/>
+    <p:sldId id="272" r:id="rId15"/>
+    <p:sldId id="274" r:id="rId16"/>
+    <p:sldId id="276" r:id="rId17"/>
+    <p:sldId id="275" r:id="rId18"/>
   </p:sldIdLst>
   <p:sldSz cx="12192000" cy="6858000"/>
   <p:notesSz cx="6858000" cy="9144000"/>
@@ -3524,7 +3526,7 @@
           <p:cNvPr id="7" name="Group 6" descr="Shrubs on seashore">
             <a:extLst>
               <a:ext uri="{FF2B5EF4-FFF2-40B4-BE49-F238E27FC236}">
-                <a16:creationId xmlns:a16="http://schemas.microsoft.com/office/drawing/2014/main" xmlns="" id="{32ABC1A6-8856-41D7-BF42-7ED8D4AC1C81}"/>
+                <a16:creationId xmlns="" xmlns:a16="http://schemas.microsoft.com/office/drawing/2014/main" id="{32ABC1A6-8856-41D7-BF42-7ED8D4AC1C81}"/>
               </a:ext>
             </a:extLst>
           </p:cNvPr>
@@ -37367,7 +37369,6 @@
               <a:rPr lang="en-US" dirty="0"/>
               <a:t>ETL PROJECT </a:t>
             </a:r>
-            <a:endParaRPr lang="en-US" dirty="0"/>
           </a:p>
         </p:txBody>
       </p:sp>
@@ -37418,7 +37419,6 @@
               <a:rPr lang="en-US" sz="2000" dirty="0"/>
               <a:t>Adriana Avalos Vargas, Edwin Rosales &amp; Jimi Jenneskens</a:t>
             </a:r>
-            <a:endParaRPr lang="en-US" sz="2000" dirty="0"/>
           </a:p>
         </p:txBody>
       </p:sp>
@@ -37624,7 +37624,11 @@
           <a:p>
             <a:r>
               <a:rPr lang="en-US" dirty="0" smtClean="0"/>
-              <a:t>Load – Relationship diagram</a:t>
+              <a:t>Load – </a:t>
+            </a:r>
+            <a:r>
+              <a:rPr lang="en-US" dirty="0" smtClean="0"/>
+              <a:t>SQL</a:t>
             </a:r>
             <a:endParaRPr lang="en-US" dirty="0"/>
           </a:p>
@@ -37646,8 +37650,32 @@
         </p:blipFill>
         <p:spPr>
           <a:xfrm>
-            <a:off x="3465749" y="1740280"/>
+            <a:off x="1052062" y="1600200"/>
             <a:ext cx="5260502" cy="4774111"/>
+          </a:xfrm>
+          <a:prstGeom prst="rect">
+            <a:avLst/>
+          </a:prstGeom>
+        </p:spPr>
+      </p:pic>
+      <p:pic>
+        <p:nvPicPr>
+          <p:cNvPr id="4" name="Picture 3"/>
+          <p:cNvPicPr>
+            <a:picLocks noChangeAspect="1"/>
+          </p:cNvPicPr>
+          <p:nvPr/>
+        </p:nvPicPr>
+        <p:blipFill>
+          <a:blip r:embed="rId3"/>
+          <a:stretch>
+            <a:fillRect/>
+          </a:stretch>
+        </p:blipFill>
+        <p:spPr>
+          <a:xfrm>
+            <a:off x="6697361" y="1600200"/>
+            <a:ext cx="4220219" cy="4474832"/>
           </a:xfrm>
           <a:prstGeom prst="rect">
             <a:avLst/>
@@ -37675,6 +37703,90 @@
 </file>
 
 <file path=ppt/slides/slide12.xml><?xml version="1.0" encoding="utf-8"?>
+<p:sld xmlns:a="http://schemas.openxmlformats.org/drawingml/2006/main" xmlns:r="http://schemas.openxmlformats.org/officeDocument/2006/relationships" xmlns:p="http://schemas.openxmlformats.org/presentationml/2006/main">
+  <p:cSld>
+    <p:spTree>
+      <p:nvGrpSpPr>
+        <p:cNvPr id="1" name=""/>
+        <p:cNvGrpSpPr/>
+        <p:nvPr/>
+      </p:nvGrpSpPr>
+      <p:grpSpPr>
+        <a:xfrm>
+          <a:off x="0" y="0"/>
+          <a:ext cx="0" cy="0"/>
+          <a:chOff x="0" y="0"/>
+          <a:chExt cx="0" cy="0"/>
+        </a:xfrm>
+      </p:grpSpPr>
+      <p:sp>
+        <p:nvSpPr>
+          <p:cNvPr id="2" name="Title 1" title="Title and Content Layout with Chart"/>
+          <p:cNvSpPr>
+            <a:spLocks noGrp="1"/>
+          </p:cNvSpPr>
+          <p:nvPr>
+            <p:ph type="title"/>
+          </p:nvPr>
+        </p:nvSpPr>
+        <p:spPr/>
+        <p:txBody>
+          <a:bodyPr/>
+          <a:lstStyle/>
+          <a:p>
+            <a:r>
+              <a:rPr lang="en-US" dirty="0" smtClean="0"/>
+              <a:t>Query – Magic Towns per state</a:t>
+            </a:r>
+            <a:endParaRPr lang="en-US" dirty="0"/>
+          </a:p>
+        </p:txBody>
+      </p:sp>
+      <p:pic>
+        <p:nvPicPr>
+          <p:cNvPr id="3" name="Picture 2"/>
+          <p:cNvPicPr>
+            <a:picLocks noChangeAspect="1"/>
+          </p:cNvPicPr>
+          <p:nvPr/>
+        </p:nvPicPr>
+        <p:blipFill>
+          <a:blip r:embed="rId2"/>
+          <a:stretch>
+            <a:fillRect/>
+          </a:stretch>
+        </p:blipFill>
+        <p:spPr>
+          <a:xfrm>
+            <a:off x="2366962" y="1691459"/>
+            <a:ext cx="7458075" cy="4562475"/>
+          </a:xfrm>
+          <a:prstGeom prst="rect">
+            <a:avLst/>
+          </a:prstGeom>
+        </p:spPr>
+      </p:pic>
+    </p:spTree>
+    <p:extLst>
+      <p:ext uri="{BB962C8B-B14F-4D97-AF65-F5344CB8AC3E}">
+        <p14:creationId xmlns:p14="http://schemas.microsoft.com/office/powerpoint/2010/main" val="3217291126"/>
+      </p:ext>
+    </p:extLst>
+  </p:cSld>
+  <p:clrMapOvr>
+    <a:masterClrMapping/>
+  </p:clrMapOvr>
+  <p:timing>
+    <p:tnLst>
+      <p:par>
+        <p:cTn id="1" dur="indefinite" restart="never" nodeType="tmRoot"/>
+      </p:par>
+    </p:tnLst>
+  </p:timing>
+</p:sld>
+</file>
+
+<file path=ppt/slides/slide13.xml><?xml version="1.0" encoding="utf-8"?>
 <p:sld xmlns:a="http://schemas.openxmlformats.org/drawingml/2006/main" xmlns:r="http://schemas.openxmlformats.org/officeDocument/2006/relationships" xmlns:p="http://schemas.openxmlformats.org/presentationml/2006/main">
   <p:cSld>
     <p:spTree>
@@ -37750,7 +37862,7 @@
     </p:spTree>
     <p:extLst>
       <p:ext uri="{BB962C8B-B14F-4D97-AF65-F5344CB8AC3E}">
-        <p14:creationId xmlns:p14="http://schemas.microsoft.com/office/powerpoint/2010/main" val="3217291126"/>
+        <p14:creationId xmlns:p14="http://schemas.microsoft.com/office/powerpoint/2010/main" val="1558689692"/>
       </p:ext>
     </p:extLst>
   </p:cSld>
@@ -37767,7 +37879,7 @@
 </p:sld>
 </file>
 
-<file path=ppt/slides/slide13.xml><?xml version="1.0" encoding="utf-8"?>
+<file path=ppt/slides/slide14.xml><?xml version="1.0" encoding="utf-8"?>
 <p:sld xmlns:a="http://schemas.openxmlformats.org/drawingml/2006/main" xmlns:r="http://schemas.openxmlformats.org/officeDocument/2006/relationships" xmlns:p="http://schemas.openxmlformats.org/presentationml/2006/main">
   <p:cSld>
     <p:spTree>
@@ -37815,7 +37927,6 @@
               <a:rPr lang="en-US" sz="3600" dirty="0"/>
               <a:t>State GDP per Magic Town before and after entering as Magic Town</a:t>
             </a:r>
-            <a:endParaRPr lang="en-US" sz="3600" dirty="0"/>
           </a:p>
         </p:txBody>
       </p:sp>
@@ -37915,7 +38026,7 @@
 </p:sld>
 </file>
 
-<file path=ppt/slides/slide14.xml><?xml version="1.0" encoding="utf-8"?>
+<file path=ppt/slides/slide15.xml><?xml version="1.0" encoding="utf-8"?>
 <p:sld xmlns:a="http://schemas.openxmlformats.org/drawingml/2006/main" xmlns:r="http://schemas.openxmlformats.org/officeDocument/2006/relationships" xmlns:p="http://schemas.openxmlformats.org/presentationml/2006/main">
   <p:cSld>
     <p:spTree>
@@ -37963,41 +38074,31 @@
               <a:rPr lang="en-US" dirty="0"/>
               <a:t>weather per Magic Town</a:t>
             </a:r>
-            <a:endParaRPr lang="en-US" dirty="0"/>
           </a:p>
         </p:txBody>
       </p:sp>
       <p:pic>
         <p:nvPicPr>
-          <p:cNvPr id="4" name="Picture 3"/>
-          <p:cNvPicPr/>
+          <p:cNvPr id="3" name="Picture 2"/>
+          <p:cNvPicPr>
+            <a:picLocks noChangeAspect="1"/>
+          </p:cNvPicPr>
           <p:nvPr/>
         </p:nvPicPr>
         <p:blipFill>
-          <a:blip r:embed="rId2">
-            <a:extLst>
-              <a:ext uri="{28A0092B-C50C-407E-A947-70E740481C1C}">
-                <a14:useLocalDpi xmlns:a14="http://schemas.microsoft.com/office/drawing/2010/main" val="0"/>
-              </a:ext>
-            </a:extLst>
-          </a:blip>
-          <a:srcRect/>
+          <a:blip r:embed="rId2"/>
           <a:stretch>
             <a:fillRect/>
           </a:stretch>
         </p:blipFill>
-        <p:spPr bwMode="auto">
+        <p:spPr>
           <a:xfrm>
-            <a:off x="2056907" y="2035721"/>
-            <a:ext cx="8616348" cy="3817194"/>
+            <a:off x="1419225" y="2018013"/>
+            <a:ext cx="9353550" cy="3448050"/>
           </a:xfrm>
           <a:prstGeom prst="rect">
             <a:avLst/>
           </a:prstGeom>
-          <a:noFill/>
-          <a:ln>
-            <a:noFill/>
-          </a:ln>
         </p:spPr>
       </p:pic>
     </p:spTree>
@@ -38020,7 +38121,102 @@
 </p:sld>
 </file>
 
-<file path=ppt/slides/slide15.xml><?xml version="1.0" encoding="utf-8"?>
+<file path=ppt/slides/slide16.xml><?xml version="1.0" encoding="utf-8"?>
+<p:sld xmlns:a="http://schemas.openxmlformats.org/drawingml/2006/main" xmlns:r="http://schemas.openxmlformats.org/officeDocument/2006/relationships" xmlns:p="http://schemas.openxmlformats.org/presentationml/2006/main">
+  <p:cSld>
+    <p:spTree>
+      <p:nvGrpSpPr>
+        <p:cNvPr id="1" name=""/>
+        <p:cNvGrpSpPr/>
+        <p:nvPr/>
+      </p:nvGrpSpPr>
+      <p:grpSpPr>
+        <a:xfrm>
+          <a:off x="0" y="0"/>
+          <a:ext cx="0" cy="0"/>
+          <a:chOff x="0" y="0"/>
+          <a:chExt cx="0" cy="0"/>
+        </a:xfrm>
+      </p:grpSpPr>
+      <p:sp>
+        <p:nvSpPr>
+          <p:cNvPr id="2" name="Title 1" title="Title and Content Layout with Chart"/>
+          <p:cNvSpPr>
+            <a:spLocks noGrp="1"/>
+          </p:cNvSpPr>
+          <p:nvPr>
+            <p:ph type="title"/>
+          </p:nvPr>
+        </p:nvSpPr>
+        <p:spPr/>
+        <p:txBody>
+          <a:bodyPr/>
+          <a:lstStyle/>
+          <a:p>
+            <a:r>
+              <a:rPr lang="en-US" dirty="0" smtClean="0"/>
+              <a:t>Query </a:t>
+            </a:r>
+            <a:r>
+              <a:rPr lang="en-US" dirty="0"/>
+              <a:t>– </a:t>
+            </a:r>
+            <a:r>
+              <a:rPr lang="en-US" dirty="0" smtClean="0"/>
+              <a:t>Average </a:t>
+            </a:r>
+            <a:r>
+              <a:rPr lang="en-US" dirty="0"/>
+              <a:t>weather per Magic Town</a:t>
+            </a:r>
+          </a:p>
+        </p:txBody>
+      </p:sp>
+      <p:pic>
+        <p:nvPicPr>
+          <p:cNvPr id="3" name="Picture 2"/>
+          <p:cNvPicPr>
+            <a:picLocks noChangeAspect="1"/>
+          </p:cNvPicPr>
+          <p:nvPr/>
+        </p:nvPicPr>
+        <p:blipFill>
+          <a:blip r:embed="rId2"/>
+          <a:stretch>
+            <a:fillRect/>
+          </a:stretch>
+        </p:blipFill>
+        <p:spPr>
+          <a:xfrm>
+            <a:off x="1785937" y="1524000"/>
+            <a:ext cx="8620125" cy="3810000"/>
+          </a:xfrm>
+          <a:prstGeom prst="rect">
+            <a:avLst/>
+          </a:prstGeom>
+        </p:spPr>
+      </p:pic>
+    </p:spTree>
+    <p:extLst>
+      <p:ext uri="{BB962C8B-B14F-4D97-AF65-F5344CB8AC3E}">
+        <p14:creationId xmlns:p14="http://schemas.microsoft.com/office/powerpoint/2010/main" val="4274373138"/>
+      </p:ext>
+    </p:extLst>
+  </p:cSld>
+  <p:clrMapOvr>
+    <a:masterClrMapping/>
+  </p:clrMapOvr>
+  <p:timing>
+    <p:tnLst>
+      <p:par>
+        <p:cTn id="1" dur="indefinite" restart="never" nodeType="tmRoot"/>
+      </p:par>
+    </p:tnLst>
+  </p:timing>
+</p:sld>
+</file>
+
+<file path=ppt/slides/slide17.xml><?xml version="1.0" encoding="utf-8"?>
 <p:sld xmlns:a="http://schemas.openxmlformats.org/drawingml/2006/main" xmlns:r="http://schemas.openxmlformats.org/officeDocument/2006/relationships" xmlns:p="http://schemas.openxmlformats.org/presentationml/2006/main">
   <p:cSld>
     <p:spTree>
@@ -38201,6 +38397,13 @@
             <a:r>
               <a:rPr lang="en-US" dirty="0" smtClean="0"/>
               <a:t>Queries</a:t>
+            </a:r>
+          </a:p>
+          <a:p>
+            <a:pPr lvl="0"/>
+            <a:r>
+              <a:rPr lang="en-US" dirty="0" smtClean="0"/>
+              <a:t>Questions?</a:t>
             </a:r>
             <a:endParaRPr lang="en-US" dirty="0"/>
           </a:p>
@@ -38420,16 +38623,20 @@
           <a:p>
             <a:r>
               <a:rPr lang="en-US" dirty="0" smtClean="0"/>
-              <a:t>A CSV of the yearly Gross Domestic Product based on tourism which contains the “State”, “Gross domestic product” and “Year”</a:t>
+              <a:t>A CSV of the yearly Gross Domestic Product </a:t>
             </a:r>
             <a:r>
-              <a:rPr lang="en-US" dirty="0"/>
-              <a:t> on state level </a:t>
+              <a:rPr lang="en-US" dirty="0" smtClean="0"/>
+              <a:t>on state level based </a:t>
             </a:r>
-            <a:endParaRPr lang="en-US" dirty="0" smtClean="0"/>
-          </a:p>
-          <a:p>
-            <a:pPr lvl="1"/>
+            <a:r>
+              <a:rPr lang="en-US" dirty="0" smtClean="0"/>
+              <a:t>on tourism which contains the “State”, “Gross domestic product” and “</a:t>
+            </a:r>
+            <a:r>
+              <a:rPr lang="en-US" dirty="0" smtClean="0"/>
+              <a:t>Year</a:t>
+            </a:r>
             <a:endParaRPr lang="en-US" dirty="0"/>
           </a:p>
         </p:txBody>
@@ -38455,8 +38662,8 @@
         </p:blipFill>
         <p:spPr bwMode="auto">
           <a:xfrm>
-            <a:off x="2431703" y="3595250"/>
-            <a:ext cx="7328593" cy="1670488"/>
+            <a:off x="2118665" y="3315163"/>
+            <a:ext cx="7899117" cy="1800534"/>
           </a:xfrm>
           <a:prstGeom prst="rect">
             <a:avLst/>
@@ -38935,7 +39142,23 @@
           <a:p>
             <a:r>
               <a:rPr lang="en-US" dirty="0" smtClean="0"/>
-              <a:t>Axes of index have been swapped + an </a:t>
+              <a:t>Swapped the a</a:t>
+            </a:r>
+            <a:r>
+              <a:rPr lang="en-US" dirty="0" smtClean="0"/>
+              <a:t>xes </a:t>
+            </a:r>
+            <a:r>
+              <a:rPr lang="en-US" dirty="0" smtClean="0"/>
+              <a:t>of index </a:t>
+            </a:r>
+            <a:r>
+              <a:rPr lang="en-US" dirty="0" smtClean="0"/>
+              <a:t>and columns + </a:t>
+            </a:r>
+            <a:r>
+              <a:rPr lang="en-US" dirty="0" smtClean="0"/>
+              <a:t>an </a:t>
             </a:r>
             <a:r>
               <a:rPr lang="en-US" dirty="0" err="1" smtClean="0"/>
@@ -39144,7 +39367,6 @@
               <a:rPr lang="en-US" sz="4000" dirty="0"/>
               <a:t>Transform – Gross domestic product table</a:t>
             </a:r>
-            <a:endParaRPr lang="en-US" sz="4000" dirty="0"/>
           </a:p>
         </p:txBody>
       </p:sp>
